--- a/超能力脱出劇_企画書.pptx
+++ b/超能力脱出劇_企画書.pptx
@@ -9465,62 +9465,296 @@
             <a:pPr algn="ctr"/>
             <a:r>
               <a:rPr lang="ja-JP" altLang="en-US" sz="3600" dirty="0"/>
-              <a:t>内容</a:t>
+              <a:t>プレイヤ</a:t>
+            </a:r>
+            <a:r>
+              <a:rPr lang="ja-JP" altLang="en-US" sz="3600" dirty="0" smtClean="0"/>
+              <a:t>ー</a:t>
             </a:r>
             <a:endParaRPr kumimoji="1" lang="en-US" altLang="ja-JP" sz="3600" dirty="0" smtClean="0"/>
           </a:p>
         </p:txBody>
       </p:sp>
-      <p:sp>
-        <p:nvSpPr>
-          <p:cNvPr id="3" name="テキスト ボックス 2"/>
-          <p:cNvSpPr txBox="1"/>
-          <p:nvPr/>
-        </p:nvSpPr>
-        <p:spPr>
-          <a:xfrm>
-            <a:off x="935831" y="3044280"/>
-            <a:ext cx="10858902" cy="769441"/>
-          </a:xfrm>
-          <a:prstGeom prst="rect">
-            <a:avLst/>
-          </a:prstGeom>
-          <a:noFill/>
-        </p:spPr>
-        <p:txBody>
-          <a:bodyPr wrap="square" rtlCol="0">
-            <a:spAutoFit/>
-          </a:bodyPr>
-          <a:lstStyle/>
-          <a:p>
-            <a:r>
-              <a:rPr lang="ja-JP" altLang="en-US" sz="4400" dirty="0">
-                <a:latin typeface="07ラノベPOP" panose="02000800000000000000" pitchFamily="50" charset="-128"/>
-                <a:ea typeface="07ラノベPOP" panose="02000800000000000000" pitchFamily="50" charset="-128"/>
-              </a:rPr>
-              <a:t>念写</a:t>
-            </a:r>
-            <a:r>
-              <a:rPr kumimoji="1" lang="ja-JP" altLang="en-US" sz="4400" dirty="0" smtClean="0">
-                <a:latin typeface="07ラノベPOP" panose="02000800000000000000" pitchFamily="50" charset="-128"/>
-                <a:ea typeface="07ラノベPOP" panose="02000800000000000000" pitchFamily="50" charset="-128"/>
-              </a:rPr>
-              <a:t>を使って部屋から脱出する</a:t>
-            </a:r>
-            <a:r>
-              <a:rPr lang="ja-JP" altLang="en-US" sz="4400" dirty="0" smtClean="0">
-                <a:latin typeface="07ラノベPOP" panose="02000800000000000000" pitchFamily="50" charset="-128"/>
-                <a:ea typeface="07ラノベPOP" panose="02000800000000000000" pitchFamily="50" charset="-128"/>
-              </a:rPr>
-              <a:t>ゲーム</a:t>
-            </a:r>
-            <a:endParaRPr kumimoji="1" lang="ja-JP" altLang="en-US" sz="4400" dirty="0">
-              <a:latin typeface="07ラノベPOP" panose="02000800000000000000" pitchFamily="50" charset="-128"/>
-              <a:ea typeface="07ラノベPOP" panose="02000800000000000000" pitchFamily="50" charset="-128"/>
-            </a:endParaRPr>
-          </a:p>
-        </p:txBody>
-      </p:sp>
+      <p:graphicFrame>
+        <p:nvGraphicFramePr>
+          <p:cNvPr id="4" name="表 3"/>
+          <p:cNvGraphicFramePr>
+            <a:graphicFrameLocks noGrp="1"/>
+          </p:cNvGraphicFramePr>
+          <p:nvPr>
+            <p:extLst>
+              <p:ext uri="{D42A27DB-BD31-4B8C-83A1-F6EECF244321}">
+                <p14:modId xmlns:p14="http://schemas.microsoft.com/office/powerpoint/2010/main" val="656428835"/>
+              </p:ext>
+            </p:extLst>
+          </p:nvPr>
+        </p:nvGraphicFramePr>
+        <p:xfrm>
+          <a:off x="2900043" y="1762125"/>
+          <a:ext cx="7625081" cy="4038600"/>
+        </p:xfrm>
+        <a:graphic>
+          <a:graphicData uri="http://schemas.openxmlformats.org/drawingml/2006/table">
+            <a:tbl>
+              <a:tblPr firstRow="1" bandRow="1">
+                <a:tableStyleId>{5C22544A-7EE6-4342-B048-85BDC9FD1C3A}</a:tableStyleId>
+              </a:tblPr>
+              <a:tblGrid>
+                <a:gridCol w="3894859"/>
+                <a:gridCol w="3730222"/>
+              </a:tblGrid>
+              <a:tr h="798844">
+                <a:tc>
+                  <a:txBody>
+                    <a:bodyPr/>
+                    <a:lstStyle/>
+                    <a:p>
+                      <a:endParaRPr kumimoji="1" lang="ja-JP" altLang="en-US" sz="3200" dirty="0">
+                        <a:latin typeface="HGPｺﾞｼｯｸE" panose="020B0900000000000000" pitchFamily="50" charset="-128"/>
+                        <a:ea typeface="HGPｺﾞｼｯｸE" panose="020B0900000000000000" pitchFamily="50" charset="-128"/>
+                      </a:endParaRPr>
+                    </a:p>
+                  </a:txBody>
+                  <a:tcPr>
+                    <a:lnTlToBr w="12700" cap="flat" cmpd="sng" algn="ctr">
+                      <a:solidFill>
+                        <a:schemeClr val="bg1"/>
+                      </a:solidFill>
+                      <a:prstDash val="solid"/>
+                      <a:round/>
+                      <a:headEnd type="none" w="med" len="med"/>
+                      <a:tailEnd type="none" w="med" len="med"/>
+                    </a:lnTlToBr>
+                  </a:tcPr>
+                </a:tc>
+                <a:tc>
+                  <a:txBody>
+                    <a:bodyPr/>
+                    <a:lstStyle/>
+                    <a:p>
+                      <a:r>
+                        <a:rPr kumimoji="1" lang="ja-JP" altLang="en-US" sz="3200" dirty="0" smtClean="0">
+                          <a:latin typeface="HGPｺﾞｼｯｸE" panose="020B0900000000000000" pitchFamily="50" charset="-128"/>
+                          <a:ea typeface="HGPｺﾞｼｯｸE" panose="020B0900000000000000" pitchFamily="50" charset="-128"/>
+                        </a:rPr>
+                        <a:t>キーボード＋マウス</a:t>
+                      </a:r>
+                      <a:endParaRPr kumimoji="1" lang="ja-JP" altLang="en-US" sz="3200" dirty="0">
+                        <a:latin typeface="HGPｺﾞｼｯｸE" panose="020B0900000000000000" pitchFamily="50" charset="-128"/>
+                        <a:ea typeface="HGPｺﾞｼｯｸE" panose="020B0900000000000000" pitchFamily="50" charset="-128"/>
+                      </a:endParaRPr>
+                    </a:p>
+                  </a:txBody>
+                  <a:tcPr/>
+                </a:tc>
+              </a:tr>
+              <a:tr h="809939">
+                <a:tc>
+                  <a:txBody>
+                    <a:bodyPr/>
+                    <a:lstStyle/>
+                    <a:p>
+                      <a:r>
+                        <a:rPr kumimoji="1" lang="ja-JP" altLang="en-US" sz="3200" dirty="0" smtClean="0">
+                          <a:latin typeface="HGPｺﾞｼｯｸE" panose="020B0900000000000000" pitchFamily="50" charset="-128"/>
+                          <a:ea typeface="HGPｺﾞｼｯｸE" panose="020B0900000000000000" pitchFamily="50" charset="-128"/>
+                        </a:rPr>
+                        <a:t>移動</a:t>
+                      </a:r>
+                      <a:endParaRPr kumimoji="1" lang="en-US" altLang="ja-JP" sz="3200" dirty="0" smtClean="0">
+                        <a:latin typeface="HGPｺﾞｼｯｸE" panose="020B0900000000000000" pitchFamily="50" charset="-128"/>
+                        <a:ea typeface="HGPｺﾞｼｯｸE" panose="020B0900000000000000" pitchFamily="50" charset="-128"/>
+                      </a:endParaRPr>
+                    </a:p>
+                  </a:txBody>
+                  <a:tcPr/>
+                </a:tc>
+                <a:tc>
+                  <a:txBody>
+                    <a:bodyPr/>
+                    <a:lstStyle/>
+                    <a:p>
+                      <a:r>
+                        <a:rPr kumimoji="1" lang="en-US" altLang="ja-JP" sz="3200" dirty="0" smtClean="0">
+                          <a:latin typeface="HGPｺﾞｼｯｸE" panose="020B0900000000000000" pitchFamily="50" charset="-128"/>
+                          <a:ea typeface="HGPｺﾞｼｯｸE" panose="020B0900000000000000" pitchFamily="50" charset="-128"/>
+                        </a:rPr>
+                        <a:t>ASDW</a:t>
+                      </a:r>
+                      <a:endParaRPr kumimoji="1" lang="ja-JP" altLang="en-US" sz="3200" dirty="0">
+                        <a:latin typeface="HGPｺﾞｼｯｸE" panose="020B0900000000000000" pitchFamily="50" charset="-128"/>
+                        <a:ea typeface="HGPｺﾞｼｯｸE" panose="020B0900000000000000" pitchFamily="50" charset="-128"/>
+                      </a:endParaRPr>
+                    </a:p>
+                  </a:txBody>
+                  <a:tcPr/>
+                </a:tc>
+              </a:tr>
+              <a:tr h="809939">
+                <a:tc>
+                  <a:txBody>
+                    <a:bodyPr/>
+                    <a:lstStyle/>
+                    <a:p>
+                      <a:r>
+                        <a:rPr kumimoji="1" lang="ja-JP" altLang="en-US" sz="3200" dirty="0" smtClean="0">
+                          <a:latin typeface="HGPｺﾞｼｯｸE" panose="020B0900000000000000" pitchFamily="50" charset="-128"/>
+                          <a:ea typeface="HGPｺﾞｼｯｸE" panose="020B0900000000000000" pitchFamily="50" charset="-128"/>
+                        </a:rPr>
+                        <a:t>念写物を取得する</a:t>
+                      </a:r>
+                      <a:endParaRPr kumimoji="1" lang="en-US" altLang="ja-JP" sz="3200" dirty="0" smtClean="0">
+                        <a:latin typeface="HGPｺﾞｼｯｸE" panose="020B0900000000000000" pitchFamily="50" charset="-128"/>
+                        <a:ea typeface="HGPｺﾞｼｯｸE" panose="020B0900000000000000" pitchFamily="50" charset="-128"/>
+                      </a:endParaRPr>
+                    </a:p>
+                  </a:txBody>
+                  <a:tcPr/>
+                </a:tc>
+                <a:tc>
+                  <a:txBody>
+                    <a:bodyPr/>
+                    <a:lstStyle/>
+                    <a:p>
+                      <a:r>
+                        <a:rPr kumimoji="1" lang="en-US" altLang="ja-JP" sz="3200" dirty="0" smtClean="0">
+                          <a:latin typeface="HGPｺﾞｼｯｸE" panose="020B0900000000000000" pitchFamily="50" charset="-128"/>
+                          <a:ea typeface="HGPｺﾞｼｯｸE" panose="020B0900000000000000" pitchFamily="50" charset="-128"/>
+                        </a:rPr>
+                        <a:t>Q</a:t>
+                      </a:r>
+                      <a:r>
+                        <a:rPr kumimoji="1" lang="ja-JP" altLang="en-US" sz="3200" dirty="0" smtClean="0">
+                          <a:latin typeface="HGPｺﾞｼｯｸE" panose="020B0900000000000000" pitchFamily="50" charset="-128"/>
+                          <a:ea typeface="HGPｺﾞｼｯｸE" panose="020B0900000000000000" pitchFamily="50" charset="-128"/>
+                        </a:rPr>
+                        <a:t>キー</a:t>
+                      </a:r>
+                      <a:endParaRPr kumimoji="1" lang="ja-JP" altLang="en-US" sz="3200" dirty="0">
+                        <a:latin typeface="HGPｺﾞｼｯｸE" panose="020B0900000000000000" pitchFamily="50" charset="-128"/>
+                        <a:ea typeface="HGPｺﾞｼｯｸE" panose="020B0900000000000000" pitchFamily="50" charset="-128"/>
+                      </a:endParaRPr>
+                    </a:p>
+                  </a:txBody>
+                  <a:tcPr/>
+                </a:tc>
+              </a:tr>
+              <a:tr h="809939">
+                <a:tc>
+                  <a:txBody>
+                    <a:bodyPr/>
+                    <a:lstStyle/>
+                    <a:p>
+                      <a:r>
+                        <a:rPr kumimoji="1" lang="ja-JP" altLang="en-US" sz="3200" dirty="0" smtClean="0">
+                          <a:latin typeface="HGPｺﾞｼｯｸE" panose="020B0900000000000000" pitchFamily="50" charset="-128"/>
+                          <a:ea typeface="HGPｺﾞｼｯｸE" panose="020B0900000000000000" pitchFamily="50" charset="-128"/>
+                        </a:rPr>
+                        <a:t>念写する</a:t>
+                      </a:r>
+                      <a:endParaRPr kumimoji="1" lang="ja-JP" altLang="en-US" sz="3200" dirty="0">
+                        <a:latin typeface="HGPｺﾞｼｯｸE" panose="020B0900000000000000" pitchFamily="50" charset="-128"/>
+                        <a:ea typeface="HGPｺﾞｼｯｸE" panose="020B0900000000000000" pitchFamily="50" charset="-128"/>
+                      </a:endParaRPr>
+                    </a:p>
+                  </a:txBody>
+                  <a:tcPr/>
+                </a:tc>
+                <a:tc>
+                  <a:txBody>
+                    <a:bodyPr/>
+                    <a:lstStyle/>
+                    <a:p>
+                      <a:r>
+                        <a:rPr kumimoji="1" lang="en-US" altLang="ja-JP" sz="3200" dirty="0" smtClean="0">
+                          <a:latin typeface="HGPｺﾞｼｯｸE" panose="020B0900000000000000" pitchFamily="50" charset="-128"/>
+                          <a:ea typeface="HGPｺﾞｼｯｸE" panose="020B0900000000000000" pitchFamily="50" charset="-128"/>
+                        </a:rPr>
+                        <a:t>Q</a:t>
+                      </a:r>
+                      <a:r>
+                        <a:rPr kumimoji="1" lang="ja-JP" altLang="en-US" sz="3200" dirty="0" smtClean="0">
+                          <a:latin typeface="HGPｺﾞｼｯｸE" panose="020B0900000000000000" pitchFamily="50" charset="-128"/>
+                          <a:ea typeface="HGPｺﾞｼｯｸE" panose="020B0900000000000000" pitchFamily="50" charset="-128"/>
+                        </a:rPr>
+                        <a:t>キー</a:t>
+                      </a:r>
+                      <a:r>
+                        <a:rPr kumimoji="1" lang="ja-JP" altLang="en-US" sz="3200" baseline="0" dirty="0" smtClean="0">
+                          <a:latin typeface="HGPｺﾞｼｯｸE" panose="020B0900000000000000" pitchFamily="50" charset="-128"/>
+                          <a:ea typeface="HGPｺﾞｼｯｸE" panose="020B0900000000000000" pitchFamily="50" charset="-128"/>
+                        </a:rPr>
+                        <a:t>　</a:t>
+                      </a:r>
+                      <a:r>
+                        <a:rPr kumimoji="1" lang="en-US" altLang="ja-JP" sz="3200" baseline="0" dirty="0" smtClean="0">
+                          <a:latin typeface="HGPｺﾞｼｯｸE" panose="020B0900000000000000" pitchFamily="50" charset="-128"/>
+                          <a:ea typeface="HGPｺﾞｼｯｸE" panose="020B0900000000000000" pitchFamily="50" charset="-128"/>
+                        </a:rPr>
+                        <a:t>+</a:t>
+                      </a:r>
+                      <a:r>
+                        <a:rPr kumimoji="1" lang="ja-JP" altLang="en-US" sz="3200" baseline="0" dirty="0" smtClean="0">
+                          <a:latin typeface="HGPｺﾞｼｯｸE" panose="020B0900000000000000" pitchFamily="50" charset="-128"/>
+                          <a:ea typeface="HGPｺﾞｼｯｸE" panose="020B0900000000000000" pitchFamily="50" charset="-128"/>
+                        </a:rPr>
+                        <a:t>　マウス</a:t>
+                      </a:r>
+                      <a:endParaRPr kumimoji="1" lang="ja-JP" altLang="en-US" sz="3200" dirty="0">
+                        <a:latin typeface="HGPｺﾞｼｯｸE" panose="020B0900000000000000" pitchFamily="50" charset="-128"/>
+                        <a:ea typeface="HGPｺﾞｼｯｸE" panose="020B0900000000000000" pitchFamily="50" charset="-128"/>
+                      </a:endParaRPr>
+                    </a:p>
+                  </a:txBody>
+                  <a:tcPr/>
+                </a:tc>
+              </a:tr>
+              <a:tr h="809939">
+                <a:tc>
+                  <a:txBody>
+                    <a:bodyPr/>
+                    <a:lstStyle/>
+                    <a:p>
+                      <a:r>
+                        <a:rPr kumimoji="1" lang="ja-JP" altLang="en-US" sz="3200" dirty="0" smtClean="0">
+                          <a:latin typeface="HGPｺﾞｼｯｸE" panose="020B0900000000000000" pitchFamily="50" charset="-128"/>
+                          <a:ea typeface="HGPｺﾞｼｯｸE" panose="020B0900000000000000" pitchFamily="50" charset="-128"/>
+                        </a:rPr>
+                        <a:t>視点</a:t>
+                      </a:r>
+                      <a:endParaRPr kumimoji="1" lang="ja-JP" altLang="en-US" sz="3200" dirty="0">
+                        <a:latin typeface="HGPｺﾞｼｯｸE" panose="020B0900000000000000" pitchFamily="50" charset="-128"/>
+                        <a:ea typeface="HGPｺﾞｼｯｸE" panose="020B0900000000000000" pitchFamily="50" charset="-128"/>
+                      </a:endParaRPr>
+                    </a:p>
+                  </a:txBody>
+                  <a:tcPr/>
+                </a:tc>
+                <a:tc>
+                  <a:txBody>
+                    <a:bodyPr/>
+                    <a:lstStyle/>
+                    <a:p>
+                      <a:r>
+                        <a:rPr kumimoji="1" lang="ja-JP" altLang="en-US" sz="3200" dirty="0" smtClean="0">
+                          <a:latin typeface="HGPｺﾞｼｯｸE" panose="020B0900000000000000" pitchFamily="50" charset="-128"/>
+                          <a:ea typeface="HGPｺﾞｼｯｸE" panose="020B0900000000000000" pitchFamily="50" charset="-128"/>
+                        </a:rPr>
+                        <a:t>マウス移動</a:t>
+                      </a:r>
+                      <a:endParaRPr kumimoji="1" lang="ja-JP" altLang="en-US" sz="3200" dirty="0">
+                        <a:latin typeface="HGPｺﾞｼｯｸE" panose="020B0900000000000000" pitchFamily="50" charset="-128"/>
+                        <a:ea typeface="HGPｺﾞｼｯｸE" panose="020B0900000000000000" pitchFamily="50" charset="-128"/>
+                      </a:endParaRPr>
+                    </a:p>
+                  </a:txBody>
+                  <a:tcPr/>
+                </a:tc>
+              </a:tr>
+            </a:tbl>
+          </a:graphicData>
+        </a:graphic>
+      </p:graphicFrame>
     </p:spTree>
     <p:extLst>
       <p:ext uri="{BB962C8B-B14F-4D97-AF65-F5344CB8AC3E}">
@@ -9542,91 +9776,9 @@
   <p:timing>
     <p:tnLst>
       <p:par>
-        <p:cTn id="1" dur="indefinite" restart="never" nodeType="tmRoot">
-          <p:childTnLst>
-            <p:seq concurrent="1" nextAc="seek">
-              <p:cTn id="2" dur="indefinite" nodeType="mainSeq">
-                <p:childTnLst>
-                  <p:par>
-                    <p:cTn id="3" fill="hold">
-                      <p:stCondLst>
-                        <p:cond delay="indefinite"/>
-                        <p:cond evt="onBegin" delay="0">
-                          <p:tn val="2"/>
-                        </p:cond>
-                      </p:stCondLst>
-                      <p:childTnLst>
-                        <p:par>
-                          <p:cTn id="4" fill="hold">
-                            <p:stCondLst>
-                              <p:cond delay="0"/>
-                            </p:stCondLst>
-                            <p:childTnLst>
-                              <p:par>
-                                <p:cTn id="5" presetID="14" presetClass="entr" presetSubtype="10" fill="hold" grpId="0" nodeType="withEffect">
-                                  <p:stCondLst>
-                                    <p:cond delay="0"/>
-                                  </p:stCondLst>
-                                  <p:childTnLst>
-                                    <p:set>
-                                      <p:cBhvr>
-                                        <p:cTn id="6" dur="1" fill="hold">
-                                          <p:stCondLst>
-                                            <p:cond delay="0"/>
-                                          </p:stCondLst>
-                                        </p:cTn>
-                                        <p:tgtEl>
-                                          <p:spTgt spid="3"/>
-                                        </p:tgtEl>
-                                        <p:attrNameLst>
-                                          <p:attrName>style.visibility</p:attrName>
-                                        </p:attrNameLst>
-                                      </p:cBhvr>
-                                      <p:to>
-                                        <p:strVal val="visible"/>
-                                      </p:to>
-                                    </p:set>
-                                    <p:animEffect transition="in" filter="randombar(horizontal)">
-                                      <p:cBhvr>
-                                        <p:cTn id="7" dur="500"/>
-                                        <p:tgtEl>
-                                          <p:spTgt spid="3"/>
-                                        </p:tgtEl>
-                                      </p:cBhvr>
-                                    </p:animEffect>
-                                  </p:childTnLst>
-                                </p:cTn>
-                              </p:par>
-                            </p:childTnLst>
-                          </p:cTn>
-                        </p:par>
-                      </p:childTnLst>
-                    </p:cTn>
-                  </p:par>
-                </p:childTnLst>
-              </p:cTn>
-              <p:prevCondLst>
-                <p:cond evt="onPrev" delay="0">
-                  <p:tgtEl>
-                    <p:sldTgt/>
-                  </p:tgtEl>
-                </p:cond>
-              </p:prevCondLst>
-              <p:nextCondLst>
-                <p:cond evt="onNext" delay="0">
-                  <p:tgtEl>
-                    <p:sldTgt/>
-                  </p:tgtEl>
-                </p:cond>
-              </p:nextCondLst>
-            </p:seq>
-          </p:childTnLst>
-        </p:cTn>
+        <p:cTn id="1" dur="indefinite" restart="never" nodeType="tmRoot"/>
       </p:par>
     </p:tnLst>
-    <p:bldLst>
-      <p:bldP spid="3" grpId="0"/>
-    </p:bldLst>
   </p:timing>
 </p:sld>
 </file>
@@ -9683,66 +9835,10 @@
           <a:p>
             <a:pPr algn="ctr"/>
             <a:r>
-              <a:rPr lang="ja-JP" altLang="en-US" sz="3600" dirty="0" smtClean="0"/>
-              <a:t>ゲームの面白さ</a:t>
+              <a:rPr kumimoji="1" lang="ja-JP" altLang="en-US" sz="3600" dirty="0" smtClean="0"/>
+              <a:t>スイッチ</a:t>
             </a:r>
             <a:endParaRPr kumimoji="1" lang="en-US" altLang="ja-JP" sz="3600" dirty="0" smtClean="0"/>
-          </a:p>
-        </p:txBody>
-      </p:sp>
-      <p:sp>
-        <p:nvSpPr>
-          <p:cNvPr id="3" name="テキスト ボックス 2"/>
-          <p:cNvSpPr txBox="1"/>
-          <p:nvPr/>
-        </p:nvSpPr>
-        <p:spPr>
-          <a:xfrm>
-            <a:off x="1006429" y="2330911"/>
-            <a:ext cx="10956846" cy="1938992"/>
-          </a:xfrm>
-          <a:prstGeom prst="rect">
-            <a:avLst/>
-          </a:prstGeom>
-          <a:noFill/>
-        </p:spPr>
-        <p:txBody>
-          <a:bodyPr wrap="none" rtlCol="0">
-            <a:spAutoFit/>
-          </a:bodyPr>
-          <a:lstStyle/>
-          <a:p>
-            <a:r>
-              <a:rPr kumimoji="1" lang="ja-JP" altLang="en-US" sz="6000" dirty="0" smtClean="0">
-                <a:latin typeface="07ラノベPOP" panose="02000800000000000000" pitchFamily="50" charset="-128"/>
-                <a:ea typeface="07ラノベPOP" panose="02000800000000000000" pitchFamily="50" charset="-128"/>
-              </a:rPr>
-              <a:t>超能力を使って脱出する新しい</a:t>
-            </a:r>
-            <a:endParaRPr kumimoji="1" lang="en-US" altLang="ja-JP" sz="6000" dirty="0" smtClean="0">
-              <a:latin typeface="07ラノベPOP" panose="02000800000000000000" pitchFamily="50" charset="-128"/>
-              <a:ea typeface="07ラノベPOP" panose="02000800000000000000" pitchFamily="50" charset="-128"/>
-            </a:endParaRPr>
-          </a:p>
-          <a:p>
-            <a:r>
-              <a:rPr lang="ja-JP" altLang="en-US" sz="6000" dirty="0">
-                <a:latin typeface="07ラノベPOP" panose="02000800000000000000" pitchFamily="50" charset="-128"/>
-                <a:ea typeface="07ラノベPOP" panose="02000800000000000000" pitchFamily="50" charset="-128"/>
-              </a:rPr>
-              <a:t>脱出</a:t>
-            </a:r>
-            <a:r>
-              <a:rPr kumimoji="1" lang="ja-JP" altLang="en-US" sz="6000" dirty="0" smtClean="0">
-                <a:latin typeface="07ラノベPOP" panose="02000800000000000000" pitchFamily="50" charset="-128"/>
-                <a:ea typeface="07ラノベPOP" panose="02000800000000000000" pitchFamily="50" charset="-128"/>
-              </a:rPr>
-              <a:t>体験</a:t>
-            </a:r>
-            <a:endParaRPr kumimoji="1" lang="ja-JP" altLang="en-US" sz="6000" dirty="0">
-              <a:latin typeface="07ラノベPOP" panose="02000800000000000000" pitchFamily="50" charset="-128"/>
-              <a:ea typeface="07ラノベPOP" panose="02000800000000000000" pitchFamily="50" charset="-128"/>
-            </a:endParaRPr>
           </a:p>
         </p:txBody>
       </p:sp>

--- a/超能力脱出劇_企画書.pptx
+++ b/超能力脱出劇_企画書.pptx
@@ -9465,296 +9465,62 @@
             <a:pPr algn="ctr"/>
             <a:r>
               <a:rPr lang="ja-JP" altLang="en-US" sz="3600" dirty="0"/>
-              <a:t>プレイヤ</a:t>
-            </a:r>
-            <a:r>
-              <a:rPr lang="ja-JP" altLang="en-US" sz="3600" dirty="0" smtClean="0"/>
-              <a:t>ー</a:t>
+              <a:t>内容</a:t>
             </a:r>
             <a:endParaRPr kumimoji="1" lang="en-US" altLang="ja-JP" sz="3600" dirty="0" smtClean="0"/>
           </a:p>
         </p:txBody>
       </p:sp>
-      <p:graphicFrame>
-        <p:nvGraphicFramePr>
-          <p:cNvPr id="4" name="表 3"/>
-          <p:cNvGraphicFramePr>
-            <a:graphicFrameLocks noGrp="1"/>
-          </p:cNvGraphicFramePr>
-          <p:nvPr>
-            <p:extLst>
-              <p:ext uri="{D42A27DB-BD31-4B8C-83A1-F6EECF244321}">
-                <p14:modId xmlns:p14="http://schemas.microsoft.com/office/powerpoint/2010/main" val="656428835"/>
-              </p:ext>
-            </p:extLst>
-          </p:nvPr>
-        </p:nvGraphicFramePr>
-        <p:xfrm>
-          <a:off x="2900043" y="1762125"/>
-          <a:ext cx="7625081" cy="4038600"/>
-        </p:xfrm>
-        <a:graphic>
-          <a:graphicData uri="http://schemas.openxmlformats.org/drawingml/2006/table">
-            <a:tbl>
-              <a:tblPr firstRow="1" bandRow="1">
-                <a:tableStyleId>{5C22544A-7EE6-4342-B048-85BDC9FD1C3A}</a:tableStyleId>
-              </a:tblPr>
-              <a:tblGrid>
-                <a:gridCol w="3894859"/>
-                <a:gridCol w="3730222"/>
-              </a:tblGrid>
-              <a:tr h="798844">
-                <a:tc>
-                  <a:txBody>
-                    <a:bodyPr/>
-                    <a:lstStyle/>
-                    <a:p>
-                      <a:endParaRPr kumimoji="1" lang="ja-JP" altLang="en-US" sz="3200" dirty="0">
-                        <a:latin typeface="HGPｺﾞｼｯｸE" panose="020B0900000000000000" pitchFamily="50" charset="-128"/>
-                        <a:ea typeface="HGPｺﾞｼｯｸE" panose="020B0900000000000000" pitchFamily="50" charset="-128"/>
-                      </a:endParaRPr>
-                    </a:p>
-                  </a:txBody>
-                  <a:tcPr>
-                    <a:lnTlToBr w="12700" cap="flat" cmpd="sng" algn="ctr">
-                      <a:solidFill>
-                        <a:schemeClr val="bg1"/>
-                      </a:solidFill>
-                      <a:prstDash val="solid"/>
-                      <a:round/>
-                      <a:headEnd type="none" w="med" len="med"/>
-                      <a:tailEnd type="none" w="med" len="med"/>
-                    </a:lnTlToBr>
-                  </a:tcPr>
-                </a:tc>
-                <a:tc>
-                  <a:txBody>
-                    <a:bodyPr/>
-                    <a:lstStyle/>
-                    <a:p>
-                      <a:r>
-                        <a:rPr kumimoji="1" lang="ja-JP" altLang="en-US" sz="3200" dirty="0" smtClean="0">
-                          <a:latin typeface="HGPｺﾞｼｯｸE" panose="020B0900000000000000" pitchFamily="50" charset="-128"/>
-                          <a:ea typeface="HGPｺﾞｼｯｸE" panose="020B0900000000000000" pitchFamily="50" charset="-128"/>
-                        </a:rPr>
-                        <a:t>キーボード＋マウス</a:t>
-                      </a:r>
-                      <a:endParaRPr kumimoji="1" lang="ja-JP" altLang="en-US" sz="3200" dirty="0">
-                        <a:latin typeface="HGPｺﾞｼｯｸE" panose="020B0900000000000000" pitchFamily="50" charset="-128"/>
-                        <a:ea typeface="HGPｺﾞｼｯｸE" panose="020B0900000000000000" pitchFamily="50" charset="-128"/>
-                      </a:endParaRPr>
-                    </a:p>
-                  </a:txBody>
-                  <a:tcPr/>
-                </a:tc>
-              </a:tr>
-              <a:tr h="809939">
-                <a:tc>
-                  <a:txBody>
-                    <a:bodyPr/>
-                    <a:lstStyle/>
-                    <a:p>
-                      <a:r>
-                        <a:rPr kumimoji="1" lang="ja-JP" altLang="en-US" sz="3200" dirty="0" smtClean="0">
-                          <a:latin typeface="HGPｺﾞｼｯｸE" panose="020B0900000000000000" pitchFamily="50" charset="-128"/>
-                          <a:ea typeface="HGPｺﾞｼｯｸE" panose="020B0900000000000000" pitchFamily="50" charset="-128"/>
-                        </a:rPr>
-                        <a:t>移動</a:t>
-                      </a:r>
-                      <a:endParaRPr kumimoji="1" lang="en-US" altLang="ja-JP" sz="3200" dirty="0" smtClean="0">
-                        <a:latin typeface="HGPｺﾞｼｯｸE" panose="020B0900000000000000" pitchFamily="50" charset="-128"/>
-                        <a:ea typeface="HGPｺﾞｼｯｸE" panose="020B0900000000000000" pitchFamily="50" charset="-128"/>
-                      </a:endParaRPr>
-                    </a:p>
-                  </a:txBody>
-                  <a:tcPr/>
-                </a:tc>
-                <a:tc>
-                  <a:txBody>
-                    <a:bodyPr/>
-                    <a:lstStyle/>
-                    <a:p>
-                      <a:r>
-                        <a:rPr kumimoji="1" lang="en-US" altLang="ja-JP" sz="3200" dirty="0" smtClean="0">
-                          <a:latin typeface="HGPｺﾞｼｯｸE" panose="020B0900000000000000" pitchFamily="50" charset="-128"/>
-                          <a:ea typeface="HGPｺﾞｼｯｸE" panose="020B0900000000000000" pitchFamily="50" charset="-128"/>
-                        </a:rPr>
-                        <a:t>ASDW</a:t>
-                      </a:r>
-                      <a:endParaRPr kumimoji="1" lang="ja-JP" altLang="en-US" sz="3200" dirty="0">
-                        <a:latin typeface="HGPｺﾞｼｯｸE" panose="020B0900000000000000" pitchFamily="50" charset="-128"/>
-                        <a:ea typeface="HGPｺﾞｼｯｸE" panose="020B0900000000000000" pitchFamily="50" charset="-128"/>
-                      </a:endParaRPr>
-                    </a:p>
-                  </a:txBody>
-                  <a:tcPr/>
-                </a:tc>
-              </a:tr>
-              <a:tr h="809939">
-                <a:tc>
-                  <a:txBody>
-                    <a:bodyPr/>
-                    <a:lstStyle/>
-                    <a:p>
-                      <a:r>
-                        <a:rPr kumimoji="1" lang="ja-JP" altLang="en-US" sz="3200" dirty="0" smtClean="0">
-                          <a:latin typeface="HGPｺﾞｼｯｸE" panose="020B0900000000000000" pitchFamily="50" charset="-128"/>
-                          <a:ea typeface="HGPｺﾞｼｯｸE" panose="020B0900000000000000" pitchFamily="50" charset="-128"/>
-                        </a:rPr>
-                        <a:t>念写物を取得する</a:t>
-                      </a:r>
-                      <a:endParaRPr kumimoji="1" lang="en-US" altLang="ja-JP" sz="3200" dirty="0" smtClean="0">
-                        <a:latin typeface="HGPｺﾞｼｯｸE" panose="020B0900000000000000" pitchFamily="50" charset="-128"/>
-                        <a:ea typeface="HGPｺﾞｼｯｸE" panose="020B0900000000000000" pitchFamily="50" charset="-128"/>
-                      </a:endParaRPr>
-                    </a:p>
-                  </a:txBody>
-                  <a:tcPr/>
-                </a:tc>
-                <a:tc>
-                  <a:txBody>
-                    <a:bodyPr/>
-                    <a:lstStyle/>
-                    <a:p>
-                      <a:r>
-                        <a:rPr kumimoji="1" lang="en-US" altLang="ja-JP" sz="3200" dirty="0" smtClean="0">
-                          <a:latin typeface="HGPｺﾞｼｯｸE" panose="020B0900000000000000" pitchFamily="50" charset="-128"/>
-                          <a:ea typeface="HGPｺﾞｼｯｸE" panose="020B0900000000000000" pitchFamily="50" charset="-128"/>
-                        </a:rPr>
-                        <a:t>Q</a:t>
-                      </a:r>
-                      <a:r>
-                        <a:rPr kumimoji="1" lang="ja-JP" altLang="en-US" sz="3200" dirty="0" smtClean="0">
-                          <a:latin typeface="HGPｺﾞｼｯｸE" panose="020B0900000000000000" pitchFamily="50" charset="-128"/>
-                          <a:ea typeface="HGPｺﾞｼｯｸE" panose="020B0900000000000000" pitchFamily="50" charset="-128"/>
-                        </a:rPr>
-                        <a:t>キー</a:t>
-                      </a:r>
-                      <a:endParaRPr kumimoji="1" lang="ja-JP" altLang="en-US" sz="3200" dirty="0">
-                        <a:latin typeface="HGPｺﾞｼｯｸE" panose="020B0900000000000000" pitchFamily="50" charset="-128"/>
-                        <a:ea typeface="HGPｺﾞｼｯｸE" panose="020B0900000000000000" pitchFamily="50" charset="-128"/>
-                      </a:endParaRPr>
-                    </a:p>
-                  </a:txBody>
-                  <a:tcPr/>
-                </a:tc>
-              </a:tr>
-              <a:tr h="809939">
-                <a:tc>
-                  <a:txBody>
-                    <a:bodyPr/>
-                    <a:lstStyle/>
-                    <a:p>
-                      <a:r>
-                        <a:rPr kumimoji="1" lang="ja-JP" altLang="en-US" sz="3200" dirty="0" smtClean="0">
-                          <a:latin typeface="HGPｺﾞｼｯｸE" panose="020B0900000000000000" pitchFamily="50" charset="-128"/>
-                          <a:ea typeface="HGPｺﾞｼｯｸE" panose="020B0900000000000000" pitchFamily="50" charset="-128"/>
-                        </a:rPr>
-                        <a:t>念写する</a:t>
-                      </a:r>
-                      <a:endParaRPr kumimoji="1" lang="ja-JP" altLang="en-US" sz="3200" dirty="0">
-                        <a:latin typeface="HGPｺﾞｼｯｸE" panose="020B0900000000000000" pitchFamily="50" charset="-128"/>
-                        <a:ea typeface="HGPｺﾞｼｯｸE" panose="020B0900000000000000" pitchFamily="50" charset="-128"/>
-                      </a:endParaRPr>
-                    </a:p>
-                  </a:txBody>
-                  <a:tcPr/>
-                </a:tc>
-                <a:tc>
-                  <a:txBody>
-                    <a:bodyPr/>
-                    <a:lstStyle/>
-                    <a:p>
-                      <a:r>
-                        <a:rPr kumimoji="1" lang="en-US" altLang="ja-JP" sz="3200" dirty="0" smtClean="0">
-                          <a:latin typeface="HGPｺﾞｼｯｸE" panose="020B0900000000000000" pitchFamily="50" charset="-128"/>
-                          <a:ea typeface="HGPｺﾞｼｯｸE" panose="020B0900000000000000" pitchFamily="50" charset="-128"/>
-                        </a:rPr>
-                        <a:t>Q</a:t>
-                      </a:r>
-                      <a:r>
-                        <a:rPr kumimoji="1" lang="ja-JP" altLang="en-US" sz="3200" dirty="0" smtClean="0">
-                          <a:latin typeface="HGPｺﾞｼｯｸE" panose="020B0900000000000000" pitchFamily="50" charset="-128"/>
-                          <a:ea typeface="HGPｺﾞｼｯｸE" panose="020B0900000000000000" pitchFamily="50" charset="-128"/>
-                        </a:rPr>
-                        <a:t>キー</a:t>
-                      </a:r>
-                      <a:r>
-                        <a:rPr kumimoji="1" lang="ja-JP" altLang="en-US" sz="3200" baseline="0" dirty="0" smtClean="0">
-                          <a:latin typeface="HGPｺﾞｼｯｸE" panose="020B0900000000000000" pitchFamily="50" charset="-128"/>
-                          <a:ea typeface="HGPｺﾞｼｯｸE" panose="020B0900000000000000" pitchFamily="50" charset="-128"/>
-                        </a:rPr>
-                        <a:t>　</a:t>
-                      </a:r>
-                      <a:r>
-                        <a:rPr kumimoji="1" lang="en-US" altLang="ja-JP" sz="3200" baseline="0" dirty="0" smtClean="0">
-                          <a:latin typeface="HGPｺﾞｼｯｸE" panose="020B0900000000000000" pitchFamily="50" charset="-128"/>
-                          <a:ea typeface="HGPｺﾞｼｯｸE" panose="020B0900000000000000" pitchFamily="50" charset="-128"/>
-                        </a:rPr>
-                        <a:t>+</a:t>
-                      </a:r>
-                      <a:r>
-                        <a:rPr kumimoji="1" lang="ja-JP" altLang="en-US" sz="3200" baseline="0" dirty="0" smtClean="0">
-                          <a:latin typeface="HGPｺﾞｼｯｸE" panose="020B0900000000000000" pitchFamily="50" charset="-128"/>
-                          <a:ea typeface="HGPｺﾞｼｯｸE" panose="020B0900000000000000" pitchFamily="50" charset="-128"/>
-                        </a:rPr>
-                        <a:t>　マウス</a:t>
-                      </a:r>
-                      <a:endParaRPr kumimoji="1" lang="ja-JP" altLang="en-US" sz="3200" dirty="0">
-                        <a:latin typeface="HGPｺﾞｼｯｸE" panose="020B0900000000000000" pitchFamily="50" charset="-128"/>
-                        <a:ea typeface="HGPｺﾞｼｯｸE" panose="020B0900000000000000" pitchFamily="50" charset="-128"/>
-                      </a:endParaRPr>
-                    </a:p>
-                  </a:txBody>
-                  <a:tcPr/>
-                </a:tc>
-              </a:tr>
-              <a:tr h="809939">
-                <a:tc>
-                  <a:txBody>
-                    <a:bodyPr/>
-                    <a:lstStyle/>
-                    <a:p>
-                      <a:r>
-                        <a:rPr kumimoji="1" lang="ja-JP" altLang="en-US" sz="3200" dirty="0" smtClean="0">
-                          <a:latin typeface="HGPｺﾞｼｯｸE" panose="020B0900000000000000" pitchFamily="50" charset="-128"/>
-                          <a:ea typeface="HGPｺﾞｼｯｸE" panose="020B0900000000000000" pitchFamily="50" charset="-128"/>
-                        </a:rPr>
-                        <a:t>視点</a:t>
-                      </a:r>
-                      <a:endParaRPr kumimoji="1" lang="ja-JP" altLang="en-US" sz="3200" dirty="0">
-                        <a:latin typeface="HGPｺﾞｼｯｸE" panose="020B0900000000000000" pitchFamily="50" charset="-128"/>
-                        <a:ea typeface="HGPｺﾞｼｯｸE" panose="020B0900000000000000" pitchFamily="50" charset="-128"/>
-                      </a:endParaRPr>
-                    </a:p>
-                  </a:txBody>
-                  <a:tcPr/>
-                </a:tc>
-                <a:tc>
-                  <a:txBody>
-                    <a:bodyPr/>
-                    <a:lstStyle/>
-                    <a:p>
-                      <a:r>
-                        <a:rPr kumimoji="1" lang="ja-JP" altLang="en-US" sz="3200" dirty="0" smtClean="0">
-                          <a:latin typeface="HGPｺﾞｼｯｸE" panose="020B0900000000000000" pitchFamily="50" charset="-128"/>
-                          <a:ea typeface="HGPｺﾞｼｯｸE" panose="020B0900000000000000" pitchFamily="50" charset="-128"/>
-                        </a:rPr>
-                        <a:t>マウス移動</a:t>
-                      </a:r>
-                      <a:endParaRPr kumimoji="1" lang="ja-JP" altLang="en-US" sz="3200" dirty="0">
-                        <a:latin typeface="HGPｺﾞｼｯｸE" panose="020B0900000000000000" pitchFamily="50" charset="-128"/>
-                        <a:ea typeface="HGPｺﾞｼｯｸE" panose="020B0900000000000000" pitchFamily="50" charset="-128"/>
-                      </a:endParaRPr>
-                    </a:p>
-                  </a:txBody>
-                  <a:tcPr/>
-                </a:tc>
-              </a:tr>
-            </a:tbl>
-          </a:graphicData>
-        </a:graphic>
-      </p:graphicFrame>
+      <p:sp>
+        <p:nvSpPr>
+          <p:cNvPr id="3" name="テキスト ボックス 2"/>
+          <p:cNvSpPr txBox="1"/>
+          <p:nvPr/>
+        </p:nvSpPr>
+        <p:spPr>
+          <a:xfrm>
+            <a:off x="935831" y="3044280"/>
+            <a:ext cx="10858902" cy="769441"/>
+          </a:xfrm>
+          <a:prstGeom prst="rect">
+            <a:avLst/>
+          </a:prstGeom>
+          <a:noFill/>
+        </p:spPr>
+        <p:txBody>
+          <a:bodyPr wrap="square" rtlCol="0">
+            <a:spAutoFit/>
+          </a:bodyPr>
+          <a:lstStyle/>
+          <a:p>
+            <a:r>
+              <a:rPr lang="ja-JP" altLang="en-US" sz="4400" dirty="0">
+                <a:latin typeface="07ラノベPOP" panose="02000800000000000000" pitchFamily="50" charset="-128"/>
+                <a:ea typeface="07ラノベPOP" panose="02000800000000000000" pitchFamily="50" charset="-128"/>
+              </a:rPr>
+              <a:t>念写</a:t>
+            </a:r>
+            <a:r>
+              <a:rPr kumimoji="1" lang="ja-JP" altLang="en-US" sz="4400" dirty="0" smtClean="0">
+                <a:latin typeface="07ラノベPOP" panose="02000800000000000000" pitchFamily="50" charset="-128"/>
+                <a:ea typeface="07ラノベPOP" panose="02000800000000000000" pitchFamily="50" charset="-128"/>
+              </a:rPr>
+              <a:t>を使って部屋から脱出する</a:t>
+            </a:r>
+            <a:r>
+              <a:rPr lang="ja-JP" altLang="en-US" sz="4400" dirty="0" smtClean="0">
+                <a:latin typeface="07ラノベPOP" panose="02000800000000000000" pitchFamily="50" charset="-128"/>
+                <a:ea typeface="07ラノベPOP" panose="02000800000000000000" pitchFamily="50" charset="-128"/>
+              </a:rPr>
+              <a:t>ゲーム</a:t>
+            </a:r>
+            <a:endParaRPr kumimoji="1" lang="ja-JP" altLang="en-US" sz="4400" dirty="0">
+              <a:latin typeface="07ラノベPOP" panose="02000800000000000000" pitchFamily="50" charset="-128"/>
+              <a:ea typeface="07ラノベPOP" panose="02000800000000000000" pitchFamily="50" charset="-128"/>
+            </a:endParaRPr>
+          </a:p>
+        </p:txBody>
+      </p:sp>
     </p:spTree>
     <p:extLst>
       <p:ext uri="{BB962C8B-B14F-4D97-AF65-F5344CB8AC3E}">
@@ -9776,9 +9542,91 @@
   <p:timing>
     <p:tnLst>
       <p:par>
-        <p:cTn id="1" dur="indefinite" restart="never" nodeType="tmRoot"/>
+        <p:cTn id="1" dur="indefinite" restart="never" nodeType="tmRoot">
+          <p:childTnLst>
+            <p:seq concurrent="1" nextAc="seek">
+              <p:cTn id="2" dur="indefinite" nodeType="mainSeq">
+                <p:childTnLst>
+                  <p:par>
+                    <p:cTn id="3" fill="hold">
+                      <p:stCondLst>
+                        <p:cond delay="indefinite"/>
+                        <p:cond evt="onBegin" delay="0">
+                          <p:tn val="2"/>
+                        </p:cond>
+                      </p:stCondLst>
+                      <p:childTnLst>
+                        <p:par>
+                          <p:cTn id="4" fill="hold">
+                            <p:stCondLst>
+                              <p:cond delay="0"/>
+                            </p:stCondLst>
+                            <p:childTnLst>
+                              <p:par>
+                                <p:cTn id="5" presetID="14" presetClass="entr" presetSubtype="10" fill="hold" grpId="0" nodeType="withEffect">
+                                  <p:stCondLst>
+                                    <p:cond delay="0"/>
+                                  </p:stCondLst>
+                                  <p:childTnLst>
+                                    <p:set>
+                                      <p:cBhvr>
+                                        <p:cTn id="6" dur="1" fill="hold">
+                                          <p:stCondLst>
+                                            <p:cond delay="0"/>
+                                          </p:stCondLst>
+                                        </p:cTn>
+                                        <p:tgtEl>
+                                          <p:spTgt spid="3"/>
+                                        </p:tgtEl>
+                                        <p:attrNameLst>
+                                          <p:attrName>style.visibility</p:attrName>
+                                        </p:attrNameLst>
+                                      </p:cBhvr>
+                                      <p:to>
+                                        <p:strVal val="visible"/>
+                                      </p:to>
+                                    </p:set>
+                                    <p:animEffect transition="in" filter="randombar(horizontal)">
+                                      <p:cBhvr>
+                                        <p:cTn id="7" dur="500"/>
+                                        <p:tgtEl>
+                                          <p:spTgt spid="3"/>
+                                        </p:tgtEl>
+                                      </p:cBhvr>
+                                    </p:animEffect>
+                                  </p:childTnLst>
+                                </p:cTn>
+                              </p:par>
+                            </p:childTnLst>
+                          </p:cTn>
+                        </p:par>
+                      </p:childTnLst>
+                    </p:cTn>
+                  </p:par>
+                </p:childTnLst>
+              </p:cTn>
+              <p:prevCondLst>
+                <p:cond evt="onPrev" delay="0">
+                  <p:tgtEl>
+                    <p:sldTgt/>
+                  </p:tgtEl>
+                </p:cond>
+              </p:prevCondLst>
+              <p:nextCondLst>
+                <p:cond evt="onNext" delay="0">
+                  <p:tgtEl>
+                    <p:sldTgt/>
+                  </p:tgtEl>
+                </p:cond>
+              </p:nextCondLst>
+            </p:seq>
+          </p:childTnLst>
+        </p:cTn>
       </p:par>
     </p:tnLst>
+    <p:bldLst>
+      <p:bldP spid="3" grpId="0"/>
+    </p:bldLst>
   </p:timing>
 </p:sld>
 </file>
@@ -9835,10 +9683,66 @@
           <a:p>
             <a:pPr algn="ctr"/>
             <a:r>
-              <a:rPr kumimoji="1" lang="ja-JP" altLang="en-US" sz="3600" dirty="0" smtClean="0"/>
-              <a:t>スイッチ</a:t>
+              <a:rPr lang="ja-JP" altLang="en-US" sz="3600" dirty="0" smtClean="0"/>
+              <a:t>ゲームの面白さ</a:t>
             </a:r>
             <a:endParaRPr kumimoji="1" lang="en-US" altLang="ja-JP" sz="3600" dirty="0" smtClean="0"/>
+          </a:p>
+        </p:txBody>
+      </p:sp>
+      <p:sp>
+        <p:nvSpPr>
+          <p:cNvPr id="3" name="テキスト ボックス 2"/>
+          <p:cNvSpPr txBox="1"/>
+          <p:nvPr/>
+        </p:nvSpPr>
+        <p:spPr>
+          <a:xfrm>
+            <a:off x="1006429" y="2330911"/>
+            <a:ext cx="10956846" cy="1938992"/>
+          </a:xfrm>
+          <a:prstGeom prst="rect">
+            <a:avLst/>
+          </a:prstGeom>
+          <a:noFill/>
+        </p:spPr>
+        <p:txBody>
+          <a:bodyPr wrap="none" rtlCol="0">
+            <a:spAutoFit/>
+          </a:bodyPr>
+          <a:lstStyle/>
+          <a:p>
+            <a:r>
+              <a:rPr kumimoji="1" lang="ja-JP" altLang="en-US" sz="6000" dirty="0" smtClean="0">
+                <a:latin typeface="07ラノベPOP" panose="02000800000000000000" pitchFamily="50" charset="-128"/>
+                <a:ea typeface="07ラノベPOP" panose="02000800000000000000" pitchFamily="50" charset="-128"/>
+              </a:rPr>
+              <a:t>超能力を使って脱出する新しい</a:t>
+            </a:r>
+            <a:endParaRPr kumimoji="1" lang="en-US" altLang="ja-JP" sz="6000" dirty="0" smtClean="0">
+              <a:latin typeface="07ラノベPOP" panose="02000800000000000000" pitchFamily="50" charset="-128"/>
+              <a:ea typeface="07ラノベPOP" panose="02000800000000000000" pitchFamily="50" charset="-128"/>
+            </a:endParaRPr>
+          </a:p>
+          <a:p>
+            <a:r>
+              <a:rPr lang="ja-JP" altLang="en-US" sz="6000" dirty="0">
+                <a:latin typeface="07ラノベPOP" panose="02000800000000000000" pitchFamily="50" charset="-128"/>
+                <a:ea typeface="07ラノベPOP" panose="02000800000000000000" pitchFamily="50" charset="-128"/>
+              </a:rPr>
+              <a:t>脱出</a:t>
+            </a:r>
+            <a:r>
+              <a:rPr kumimoji="1" lang="ja-JP" altLang="en-US" sz="6000" dirty="0" smtClean="0">
+                <a:latin typeface="07ラノベPOP" panose="02000800000000000000" pitchFamily="50" charset="-128"/>
+                <a:ea typeface="07ラノベPOP" panose="02000800000000000000" pitchFamily="50" charset="-128"/>
+              </a:rPr>
+              <a:t>体験</a:t>
+            </a:r>
+            <a:endParaRPr kumimoji="1" lang="ja-JP" altLang="en-US" sz="6000" dirty="0">
+              <a:latin typeface="07ラノベPOP" panose="02000800000000000000" pitchFamily="50" charset="-128"/>
+              <a:ea typeface="07ラノベPOP" panose="02000800000000000000" pitchFamily="50" charset="-128"/>
+            </a:endParaRPr>
           </a:p>
         </p:txBody>
       </p:sp>
